--- a/images/images.pptx
+++ b/images/images.pptx
@@ -6,8 +6,9 @@
   </p:sldMasterIdLst>
   <p:sldIdLst>
     <p:sldId id="256" r:id="rId2"/>
-    <p:sldId id="257" r:id="rId3"/>
-    <p:sldId id="258" r:id="rId4"/>
+    <p:sldId id="259" r:id="rId3"/>
+    <p:sldId id="257" r:id="rId4"/>
+    <p:sldId id="258" r:id="rId5"/>
   </p:sldIdLst>
   <p:sldSz cx="12192000" cy="6858000"/>
   <p:notesSz cx="6858000" cy="9144000"/>
@@ -261,7 +262,7 @@
           <a:p>
             <a:fld id="{730EB512-396E-4CD7-9AC9-824EC4A691EA}" type="datetimeFigureOut">
               <a:rPr lang="en-US" smtClean="0"/>
-              <a:t>11/23/2018</a:t>
+              <a:t>11/24/2018</a:t>
             </a:fld>
             <a:endParaRPr lang="en-US"/>
           </a:p>
@@ -459,7 +460,7 @@
           <a:p>
             <a:fld id="{730EB512-396E-4CD7-9AC9-824EC4A691EA}" type="datetimeFigureOut">
               <a:rPr lang="en-US" smtClean="0"/>
-              <a:t>11/23/2018</a:t>
+              <a:t>11/24/2018</a:t>
             </a:fld>
             <a:endParaRPr lang="en-US"/>
           </a:p>
@@ -667,7 +668,7 @@
           <a:p>
             <a:fld id="{730EB512-396E-4CD7-9AC9-824EC4A691EA}" type="datetimeFigureOut">
               <a:rPr lang="en-US" smtClean="0"/>
-              <a:t>11/23/2018</a:t>
+              <a:t>11/24/2018</a:t>
             </a:fld>
             <a:endParaRPr lang="en-US"/>
           </a:p>
@@ -865,7 +866,7 @@
           <a:p>
             <a:fld id="{730EB512-396E-4CD7-9AC9-824EC4A691EA}" type="datetimeFigureOut">
               <a:rPr lang="en-US" smtClean="0"/>
-              <a:t>11/23/2018</a:t>
+              <a:t>11/24/2018</a:t>
             </a:fld>
             <a:endParaRPr lang="en-US"/>
           </a:p>
@@ -1140,7 +1141,7 @@
           <a:p>
             <a:fld id="{730EB512-396E-4CD7-9AC9-824EC4A691EA}" type="datetimeFigureOut">
               <a:rPr lang="en-US" smtClean="0"/>
-              <a:t>11/23/2018</a:t>
+              <a:t>11/24/2018</a:t>
             </a:fld>
             <a:endParaRPr lang="en-US"/>
           </a:p>
@@ -1405,7 +1406,7 @@
           <a:p>
             <a:fld id="{730EB512-396E-4CD7-9AC9-824EC4A691EA}" type="datetimeFigureOut">
               <a:rPr lang="en-US" smtClean="0"/>
-              <a:t>11/23/2018</a:t>
+              <a:t>11/24/2018</a:t>
             </a:fld>
             <a:endParaRPr lang="en-US"/>
           </a:p>
@@ -1817,7 +1818,7 @@
           <a:p>
             <a:fld id="{730EB512-396E-4CD7-9AC9-824EC4A691EA}" type="datetimeFigureOut">
               <a:rPr lang="en-US" smtClean="0"/>
-              <a:t>11/23/2018</a:t>
+              <a:t>11/24/2018</a:t>
             </a:fld>
             <a:endParaRPr lang="en-US"/>
           </a:p>
@@ -1958,7 +1959,7 @@
           <a:p>
             <a:fld id="{730EB512-396E-4CD7-9AC9-824EC4A691EA}" type="datetimeFigureOut">
               <a:rPr lang="en-US" smtClean="0"/>
-              <a:t>11/23/2018</a:t>
+              <a:t>11/24/2018</a:t>
             </a:fld>
             <a:endParaRPr lang="en-US"/>
           </a:p>
@@ -2071,7 +2072,7 @@
           <a:p>
             <a:fld id="{730EB512-396E-4CD7-9AC9-824EC4A691EA}" type="datetimeFigureOut">
               <a:rPr lang="en-US" smtClean="0"/>
-              <a:t>11/23/2018</a:t>
+              <a:t>11/24/2018</a:t>
             </a:fld>
             <a:endParaRPr lang="en-US"/>
           </a:p>
@@ -2382,7 +2383,7 @@
           <a:p>
             <a:fld id="{730EB512-396E-4CD7-9AC9-824EC4A691EA}" type="datetimeFigureOut">
               <a:rPr lang="en-US" smtClean="0"/>
-              <a:t>11/23/2018</a:t>
+              <a:t>11/24/2018</a:t>
             </a:fld>
             <a:endParaRPr lang="en-US"/>
           </a:p>
@@ -2670,7 +2671,7 @@
           <a:p>
             <a:fld id="{730EB512-396E-4CD7-9AC9-824EC4A691EA}" type="datetimeFigureOut">
               <a:rPr lang="en-US" smtClean="0"/>
-              <a:t>11/23/2018</a:t>
+              <a:t>11/24/2018</a:t>
             </a:fld>
             <a:endParaRPr lang="en-US"/>
           </a:p>
@@ -2911,7 +2912,7 @@
           <a:p>
             <a:fld id="{730EB512-396E-4CD7-9AC9-824EC4A691EA}" type="datetimeFigureOut">
               <a:rPr lang="en-US" smtClean="0"/>
-              <a:t>11/23/2018</a:t>
+              <a:t>11/24/2018</a:t>
             </a:fld>
             <a:endParaRPr lang="en-US"/>
           </a:p>
@@ -3372,7 +3373,25 @@
                 </a:solidFill>
                 <a:latin typeface="Fraulein Revival" panose="02000500000000000000" pitchFamily="2" charset="0"/>
               </a:rPr>
-              <a:t>EirePop</a:t>
+              <a:t>E</a:t>
+            </a:r>
+            <a:r>
+              <a:rPr lang="es-ES" sz="20000" b="1" dirty="0" err="1">
+                <a:solidFill>
+                  <a:schemeClr val="bg1"/>
+                </a:solidFill>
+                <a:latin typeface="Verdana Pro Black" panose="020B0604020202020204" pitchFamily="34" charset="0"/>
+              </a:rPr>
+              <a:t>ire</a:t>
+            </a:r>
+            <a:r>
+              <a:rPr lang="es-ES" sz="20000" b="1" dirty="0" err="1">
+                <a:solidFill>
+                  <a:schemeClr val="bg1"/>
+                </a:solidFill>
+                <a:latin typeface="Fraulein Revival" panose="02000500000000000000" pitchFamily="2" charset="0"/>
+              </a:rPr>
+              <a:t>Pop</a:t>
             </a:r>
             <a:r>
               <a:rPr lang="es-ES" sz="20000" b="1" dirty="0">
@@ -3469,6 +3488,72 @@
 </file>
 
 <file path=ppt/slides/slide2.xml><?xml version="1.0" encoding="utf-8"?>
+<p:sld xmlns:a="http://schemas.openxmlformats.org/drawingml/2006/main" xmlns:r="http://schemas.openxmlformats.org/officeDocument/2006/relationships" xmlns:p="http://schemas.openxmlformats.org/presentationml/2006/main">
+  <p:cSld>
+    <p:spTree>
+      <p:nvGrpSpPr>
+        <p:cNvPr id="1" name=""/>
+        <p:cNvGrpSpPr/>
+        <p:nvPr/>
+      </p:nvGrpSpPr>
+      <p:grpSpPr>
+        <a:xfrm>
+          <a:off x="0" y="0"/>
+          <a:ext cx="0" cy="0"/>
+          <a:chOff x="0" y="0"/>
+          <a:chExt cx="0" cy="0"/>
+        </a:xfrm>
+      </p:grpSpPr>
+      <p:pic>
+        <p:nvPicPr>
+          <p:cNvPr id="5" name="Picture 4">
+            <a:extLst>
+              <a:ext uri="{FF2B5EF4-FFF2-40B4-BE49-F238E27FC236}">
+                <a16:creationId xmlns:a16="http://schemas.microsoft.com/office/drawing/2014/main" id="{7959497C-3155-44F9-A8A0-CA92AB3AD39D}"/>
+              </a:ext>
+            </a:extLst>
+          </p:cNvPr>
+          <p:cNvPicPr>
+            <a:picLocks noChangeAspect="1"/>
+          </p:cNvPicPr>
+          <p:nvPr/>
+        </p:nvPicPr>
+        <p:blipFill>
+          <a:blip r:embed="rId2">
+            <a:extLst>
+              <a:ext uri="{28A0092B-C50C-407E-A947-70E740481C1C}">
+                <a14:useLocalDpi xmlns:a14="http://schemas.microsoft.com/office/drawing/2010/main" val="0"/>
+              </a:ext>
+            </a:extLst>
+          </a:blip>
+          <a:stretch>
+            <a:fillRect/>
+          </a:stretch>
+        </p:blipFill>
+        <p:spPr>
+          <a:xfrm>
+            <a:off x="3657905" y="990905"/>
+            <a:ext cx="4876190" cy="4876190"/>
+          </a:xfrm>
+          <a:prstGeom prst="rect">
+            <a:avLst/>
+          </a:prstGeom>
+        </p:spPr>
+      </p:pic>
+    </p:spTree>
+    <p:extLst>
+      <p:ext uri="{BB962C8B-B14F-4D97-AF65-F5344CB8AC3E}">
+        <p14:creationId xmlns:p14="http://schemas.microsoft.com/office/powerpoint/2010/main" val="2938604840"/>
+      </p:ext>
+    </p:extLst>
+  </p:cSld>
+  <p:clrMapOvr>
+    <a:masterClrMapping/>
+  </p:clrMapOvr>
+</p:sld>
+</file>
+
+<file path=ppt/slides/slide3.xml><?xml version="1.0" encoding="utf-8"?>
 <p:sld xmlns:a="http://schemas.openxmlformats.org/drawingml/2006/main" xmlns:r="http://schemas.openxmlformats.org/officeDocument/2006/relationships" xmlns:p="http://schemas.openxmlformats.org/presentationml/2006/main">
   <p:cSld>
     <p:spTree>
@@ -3833,7 +3918,7 @@
 </p:sld>
 </file>
 
-<file path=ppt/slides/slide3.xml><?xml version="1.0" encoding="utf-8"?>
+<file path=ppt/slides/slide4.xml><?xml version="1.0" encoding="utf-8"?>
 <p:sld xmlns:a="http://schemas.openxmlformats.org/drawingml/2006/main" xmlns:r="http://schemas.openxmlformats.org/officeDocument/2006/relationships" xmlns:p="http://schemas.openxmlformats.org/presentationml/2006/main">
   <p:cSld>
     <p:spTree>
@@ -4039,6 +4124,122 @@
           <a:xfrm>
             <a:off x="6666195" y="978319"/>
             <a:ext cx="2235534" cy="2235534"/>
+          </a:xfrm>
+          <a:prstGeom prst="rect">
+            <a:avLst/>
+          </a:prstGeom>
+        </p:spPr>
+      </p:pic>
+      <p:pic>
+        <p:nvPicPr>
+          <p:cNvPr id="3" name="Graphic 2" descr="Call center">
+            <a:extLst>
+              <a:ext uri="{FF2B5EF4-FFF2-40B4-BE49-F238E27FC236}">
+                <a16:creationId xmlns:a16="http://schemas.microsoft.com/office/drawing/2014/main" id="{EF642C4D-5B6A-4FBA-99BA-3CA7BCC24697}"/>
+              </a:ext>
+            </a:extLst>
+          </p:cNvPr>
+          <p:cNvPicPr>
+            <a:picLocks noChangeAspect="1"/>
+          </p:cNvPicPr>
+          <p:nvPr/>
+        </p:nvPicPr>
+        <p:blipFill>
+          <a:blip r:embed="rId12">
+            <a:extLst>
+              <a:ext uri="{28A0092B-C50C-407E-A947-70E740481C1C}">
+                <a14:useLocalDpi xmlns:a14="http://schemas.microsoft.com/office/drawing/2010/main" val="0"/>
+              </a:ext>
+              <a:ext uri="{96DAC541-7B7A-43D3-8B79-37D633B846F1}">
+                <asvg:svgBlip xmlns:asvg="http://schemas.microsoft.com/office/drawing/2016/SVG/main" r:embed="rId13"/>
+              </a:ext>
+            </a:extLst>
+          </a:blip>
+          <a:stretch>
+            <a:fillRect/>
+          </a:stretch>
+        </p:blipFill>
+        <p:spPr>
+          <a:xfrm>
+            <a:off x="2660469" y="4009695"/>
+            <a:ext cx="914400" cy="914400"/>
+          </a:xfrm>
+          <a:prstGeom prst="rect">
+            <a:avLst/>
+          </a:prstGeom>
+        </p:spPr>
+      </p:pic>
+      <p:pic>
+        <p:nvPicPr>
+          <p:cNvPr id="6" name="Graphic 5" descr="Children">
+            <a:extLst>
+              <a:ext uri="{FF2B5EF4-FFF2-40B4-BE49-F238E27FC236}">
+                <a16:creationId xmlns:a16="http://schemas.microsoft.com/office/drawing/2014/main" id="{B04DFEF8-BCA1-471D-B3C5-4A3FF3340E22}"/>
+              </a:ext>
+            </a:extLst>
+          </p:cNvPr>
+          <p:cNvPicPr>
+            <a:picLocks noChangeAspect="1"/>
+          </p:cNvPicPr>
+          <p:nvPr/>
+        </p:nvPicPr>
+        <p:blipFill rotWithShape="1">
+          <a:blip r:embed="rId14">
+            <a:extLst>
+              <a:ext uri="{28A0092B-C50C-407E-A947-70E740481C1C}">
+                <a14:useLocalDpi xmlns:a14="http://schemas.microsoft.com/office/drawing/2010/main" val="0"/>
+              </a:ext>
+              <a:ext uri="{96DAC541-7B7A-43D3-8B79-37D633B846F1}">
+                <asvg:svgBlip xmlns:asvg="http://schemas.microsoft.com/office/drawing/2016/SVG/main" r:embed="rId15"/>
+              </a:ext>
+            </a:extLst>
+          </a:blip>
+          <a:srcRect l="5900" t="22444" r="4564" b="24478"/>
+          <a:stretch/>
+        </p:blipFill>
+        <p:spPr>
+          <a:xfrm>
+            <a:off x="4819649" y="4105275"/>
+            <a:ext cx="1214439" cy="719943"/>
+          </a:xfrm>
+          <a:prstGeom prst="rect">
+            <a:avLst/>
+          </a:prstGeom>
+        </p:spPr>
+      </p:pic>
+      <p:pic>
+        <p:nvPicPr>
+          <p:cNvPr id="10" name="Graphic 9" descr="Receiver">
+            <a:extLst>
+              <a:ext uri="{FF2B5EF4-FFF2-40B4-BE49-F238E27FC236}">
+                <a16:creationId xmlns:a16="http://schemas.microsoft.com/office/drawing/2014/main" id="{57568917-4536-458B-92F3-641177AAC26C}"/>
+              </a:ext>
+            </a:extLst>
+          </p:cNvPr>
+          <p:cNvPicPr>
+            <a:picLocks noChangeAspect="1"/>
+          </p:cNvPicPr>
+          <p:nvPr/>
+        </p:nvPicPr>
+        <p:blipFill>
+          <a:blip r:embed="rId16">
+            <a:extLst>
+              <a:ext uri="{28A0092B-C50C-407E-A947-70E740481C1C}">
+                <a14:useLocalDpi xmlns:a14="http://schemas.microsoft.com/office/drawing/2010/main" val="0"/>
+              </a:ext>
+              <a:ext uri="{96DAC541-7B7A-43D3-8B79-37D633B846F1}">
+                <asvg:svgBlip xmlns:asvg="http://schemas.microsoft.com/office/drawing/2016/SVG/main" r:embed="rId17"/>
+              </a:ext>
+            </a:extLst>
+          </a:blip>
+          <a:stretch>
+            <a:fillRect/>
+          </a:stretch>
+        </p:blipFill>
+        <p:spPr>
+          <a:xfrm>
+            <a:off x="6368538" y="4105276"/>
+            <a:ext cx="695362" cy="695362"/>
           </a:xfrm>
           <a:prstGeom prst="rect">
             <a:avLst/>

--- a/images/images.pptx
+++ b/images/images.pptx
@@ -262,7 +262,7 @@
           <a:p>
             <a:fld id="{730EB512-396E-4CD7-9AC9-824EC4A691EA}" type="datetimeFigureOut">
               <a:rPr lang="en-US" smtClean="0"/>
-              <a:t>11/24/2018</a:t>
+              <a:t>11/29/2018</a:t>
             </a:fld>
             <a:endParaRPr lang="en-US"/>
           </a:p>
@@ -460,7 +460,7 @@
           <a:p>
             <a:fld id="{730EB512-396E-4CD7-9AC9-824EC4A691EA}" type="datetimeFigureOut">
               <a:rPr lang="en-US" smtClean="0"/>
-              <a:t>11/24/2018</a:t>
+              <a:t>11/29/2018</a:t>
             </a:fld>
             <a:endParaRPr lang="en-US"/>
           </a:p>
@@ -668,7 +668,7 @@
           <a:p>
             <a:fld id="{730EB512-396E-4CD7-9AC9-824EC4A691EA}" type="datetimeFigureOut">
               <a:rPr lang="en-US" smtClean="0"/>
-              <a:t>11/24/2018</a:t>
+              <a:t>11/29/2018</a:t>
             </a:fld>
             <a:endParaRPr lang="en-US"/>
           </a:p>
@@ -866,7 +866,7 @@
           <a:p>
             <a:fld id="{730EB512-396E-4CD7-9AC9-824EC4A691EA}" type="datetimeFigureOut">
               <a:rPr lang="en-US" smtClean="0"/>
-              <a:t>11/24/2018</a:t>
+              <a:t>11/29/2018</a:t>
             </a:fld>
             <a:endParaRPr lang="en-US"/>
           </a:p>
@@ -1141,7 +1141,7 @@
           <a:p>
             <a:fld id="{730EB512-396E-4CD7-9AC9-824EC4A691EA}" type="datetimeFigureOut">
               <a:rPr lang="en-US" smtClean="0"/>
-              <a:t>11/24/2018</a:t>
+              <a:t>11/29/2018</a:t>
             </a:fld>
             <a:endParaRPr lang="en-US"/>
           </a:p>
@@ -1406,7 +1406,7 @@
           <a:p>
             <a:fld id="{730EB512-396E-4CD7-9AC9-824EC4A691EA}" type="datetimeFigureOut">
               <a:rPr lang="en-US" smtClean="0"/>
-              <a:t>11/24/2018</a:t>
+              <a:t>11/29/2018</a:t>
             </a:fld>
             <a:endParaRPr lang="en-US"/>
           </a:p>
@@ -1818,7 +1818,7 @@
           <a:p>
             <a:fld id="{730EB512-396E-4CD7-9AC9-824EC4A691EA}" type="datetimeFigureOut">
               <a:rPr lang="en-US" smtClean="0"/>
-              <a:t>11/24/2018</a:t>
+              <a:t>11/29/2018</a:t>
             </a:fld>
             <a:endParaRPr lang="en-US"/>
           </a:p>
@@ -1959,7 +1959,7 @@
           <a:p>
             <a:fld id="{730EB512-396E-4CD7-9AC9-824EC4A691EA}" type="datetimeFigureOut">
               <a:rPr lang="en-US" smtClean="0"/>
-              <a:t>11/24/2018</a:t>
+              <a:t>11/29/2018</a:t>
             </a:fld>
             <a:endParaRPr lang="en-US"/>
           </a:p>
@@ -2072,7 +2072,7 @@
           <a:p>
             <a:fld id="{730EB512-396E-4CD7-9AC9-824EC4A691EA}" type="datetimeFigureOut">
               <a:rPr lang="en-US" smtClean="0"/>
-              <a:t>11/24/2018</a:t>
+              <a:t>11/29/2018</a:t>
             </a:fld>
             <a:endParaRPr lang="en-US"/>
           </a:p>
@@ -2383,7 +2383,7 @@
           <a:p>
             <a:fld id="{730EB512-396E-4CD7-9AC9-824EC4A691EA}" type="datetimeFigureOut">
               <a:rPr lang="en-US" smtClean="0"/>
-              <a:t>11/24/2018</a:t>
+              <a:t>11/29/2018</a:t>
             </a:fld>
             <a:endParaRPr lang="en-US"/>
           </a:p>
@@ -2671,7 +2671,7 @@
           <a:p>
             <a:fld id="{730EB512-396E-4CD7-9AC9-824EC4A691EA}" type="datetimeFigureOut">
               <a:rPr lang="en-US" smtClean="0"/>
-              <a:t>11/24/2018</a:t>
+              <a:t>11/29/2018</a:t>
             </a:fld>
             <a:endParaRPr lang="en-US"/>
           </a:p>
@@ -2912,7 +2912,7 @@
           <a:p>
             <a:fld id="{730EB512-396E-4CD7-9AC9-824EC4A691EA}" type="datetimeFigureOut">
               <a:rPr lang="en-US" smtClean="0"/>
-              <a:t>11/24/2018</a:t>
+              <a:t>11/29/2018</a:t>
             </a:fld>
             <a:endParaRPr lang="en-US"/>
           </a:p>
@@ -4246,6 +4246,45 @@
           </a:prstGeom>
         </p:spPr>
       </p:pic>
+      <p:pic>
+        <p:nvPicPr>
+          <p:cNvPr id="4" name="Graphic 3" descr="Magnifying glass">
+            <a:extLst>
+              <a:ext uri="{FF2B5EF4-FFF2-40B4-BE49-F238E27FC236}">
+                <a16:creationId xmlns:a16="http://schemas.microsoft.com/office/drawing/2014/main" id="{0B1A14A7-3D10-478A-B926-FDC0C0F8C704}"/>
+              </a:ext>
+            </a:extLst>
+          </p:cNvPr>
+          <p:cNvPicPr>
+            <a:picLocks noChangeAspect="1"/>
+          </p:cNvPicPr>
+          <p:nvPr/>
+        </p:nvPicPr>
+        <p:blipFill>
+          <a:blip r:embed="rId18">
+            <a:extLst>
+              <a:ext uri="{28A0092B-C50C-407E-A947-70E740481C1C}">
+                <a14:useLocalDpi xmlns:a14="http://schemas.microsoft.com/office/drawing/2010/main" val="0"/>
+              </a:ext>
+              <a:ext uri="{96DAC541-7B7A-43D3-8B79-37D633B846F1}">
+                <asvg:svgBlip xmlns:asvg="http://schemas.microsoft.com/office/drawing/2016/SVG/main" r:embed="rId19"/>
+              </a:ext>
+            </a:extLst>
+          </a:blip>
+          <a:stretch>
+            <a:fillRect/>
+          </a:stretch>
+        </p:blipFill>
+        <p:spPr>
+          <a:xfrm>
+            <a:off x="9732499" y="3561397"/>
+            <a:ext cx="914400" cy="914400"/>
+          </a:xfrm>
+          <a:prstGeom prst="rect">
+            <a:avLst/>
+          </a:prstGeom>
+        </p:spPr>
+      </p:pic>
     </p:spTree>
     <p:extLst>
       <p:ext uri="{BB962C8B-B14F-4D97-AF65-F5344CB8AC3E}">

--- a/images/images.pptx
+++ b/images/images.pptx
@@ -9,6 +9,9 @@
     <p:sldId id="259" r:id="rId3"/>
     <p:sldId id="257" r:id="rId4"/>
     <p:sldId id="258" r:id="rId5"/>
+    <p:sldId id="260" r:id="rId6"/>
+    <p:sldId id="261" r:id="rId7"/>
+    <p:sldId id="262" r:id="rId8"/>
   </p:sldIdLst>
   <p:sldSz cx="12192000" cy="6858000"/>
   <p:notesSz cx="6858000" cy="9144000"/>
@@ -262,7 +265,7 @@
           <a:p>
             <a:fld id="{730EB512-396E-4CD7-9AC9-824EC4A691EA}" type="datetimeFigureOut">
               <a:rPr lang="en-US" smtClean="0"/>
-              <a:t>11/29/2018</a:t>
+              <a:t>12/2/2018</a:t>
             </a:fld>
             <a:endParaRPr lang="en-US"/>
           </a:p>
@@ -460,7 +463,7 @@
           <a:p>
             <a:fld id="{730EB512-396E-4CD7-9AC9-824EC4A691EA}" type="datetimeFigureOut">
               <a:rPr lang="en-US" smtClean="0"/>
-              <a:t>11/29/2018</a:t>
+              <a:t>12/2/2018</a:t>
             </a:fld>
             <a:endParaRPr lang="en-US"/>
           </a:p>
@@ -668,7 +671,7 @@
           <a:p>
             <a:fld id="{730EB512-396E-4CD7-9AC9-824EC4A691EA}" type="datetimeFigureOut">
               <a:rPr lang="en-US" smtClean="0"/>
-              <a:t>11/29/2018</a:t>
+              <a:t>12/2/2018</a:t>
             </a:fld>
             <a:endParaRPr lang="en-US"/>
           </a:p>
@@ -866,7 +869,7 @@
           <a:p>
             <a:fld id="{730EB512-396E-4CD7-9AC9-824EC4A691EA}" type="datetimeFigureOut">
               <a:rPr lang="en-US" smtClean="0"/>
-              <a:t>11/29/2018</a:t>
+              <a:t>12/2/2018</a:t>
             </a:fld>
             <a:endParaRPr lang="en-US"/>
           </a:p>
@@ -1141,7 +1144,7 @@
           <a:p>
             <a:fld id="{730EB512-396E-4CD7-9AC9-824EC4A691EA}" type="datetimeFigureOut">
               <a:rPr lang="en-US" smtClean="0"/>
-              <a:t>11/29/2018</a:t>
+              <a:t>12/2/2018</a:t>
             </a:fld>
             <a:endParaRPr lang="en-US"/>
           </a:p>
@@ -1406,7 +1409,7 @@
           <a:p>
             <a:fld id="{730EB512-396E-4CD7-9AC9-824EC4A691EA}" type="datetimeFigureOut">
               <a:rPr lang="en-US" smtClean="0"/>
-              <a:t>11/29/2018</a:t>
+              <a:t>12/2/2018</a:t>
             </a:fld>
             <a:endParaRPr lang="en-US"/>
           </a:p>
@@ -1818,7 +1821,7 @@
           <a:p>
             <a:fld id="{730EB512-396E-4CD7-9AC9-824EC4A691EA}" type="datetimeFigureOut">
               <a:rPr lang="en-US" smtClean="0"/>
-              <a:t>11/29/2018</a:t>
+              <a:t>12/2/2018</a:t>
             </a:fld>
             <a:endParaRPr lang="en-US"/>
           </a:p>
@@ -1959,7 +1962,7 @@
           <a:p>
             <a:fld id="{730EB512-396E-4CD7-9AC9-824EC4A691EA}" type="datetimeFigureOut">
               <a:rPr lang="en-US" smtClean="0"/>
-              <a:t>11/29/2018</a:t>
+              <a:t>12/2/2018</a:t>
             </a:fld>
             <a:endParaRPr lang="en-US"/>
           </a:p>
@@ -2072,7 +2075,7 @@
           <a:p>
             <a:fld id="{730EB512-396E-4CD7-9AC9-824EC4A691EA}" type="datetimeFigureOut">
               <a:rPr lang="en-US" smtClean="0"/>
-              <a:t>11/29/2018</a:t>
+              <a:t>12/2/2018</a:t>
             </a:fld>
             <a:endParaRPr lang="en-US"/>
           </a:p>
@@ -2383,7 +2386,7 @@
           <a:p>
             <a:fld id="{730EB512-396E-4CD7-9AC9-824EC4A691EA}" type="datetimeFigureOut">
               <a:rPr lang="en-US" smtClean="0"/>
-              <a:t>11/29/2018</a:t>
+              <a:t>12/2/2018</a:t>
             </a:fld>
             <a:endParaRPr lang="en-US"/>
           </a:p>
@@ -2671,7 +2674,7 @@
           <a:p>
             <a:fld id="{730EB512-396E-4CD7-9AC9-824EC4A691EA}" type="datetimeFigureOut">
               <a:rPr lang="en-US" smtClean="0"/>
-              <a:t>11/29/2018</a:t>
+              <a:t>12/2/2018</a:t>
             </a:fld>
             <a:endParaRPr lang="en-US"/>
           </a:p>
@@ -2912,7 +2915,7 @@
           <a:p>
             <a:fld id="{730EB512-396E-4CD7-9AC9-824EC4A691EA}" type="datetimeFigureOut">
               <a:rPr lang="en-US" smtClean="0"/>
-              <a:t>11/29/2018</a:t>
+              <a:t>12/2/2018</a:t>
             </a:fld>
             <a:endParaRPr lang="en-US"/>
           </a:p>
@@ -4298,6 +4301,193 @@
 </p:sld>
 </file>
 
+<file path=ppt/slides/slide5.xml><?xml version="1.0" encoding="utf-8"?>
+<p:sld xmlns:a="http://schemas.openxmlformats.org/drawingml/2006/main" xmlns:r="http://schemas.openxmlformats.org/officeDocument/2006/relationships" xmlns:p="http://schemas.openxmlformats.org/presentationml/2006/main">
+  <p:cSld>
+    <p:spTree>
+      <p:nvGrpSpPr>
+        <p:cNvPr id="1" name=""/>
+        <p:cNvGrpSpPr/>
+        <p:nvPr/>
+      </p:nvGrpSpPr>
+      <p:grpSpPr>
+        <a:xfrm>
+          <a:off x="0" y="0"/>
+          <a:ext cx="0" cy="0"/>
+          <a:chOff x="0" y="0"/>
+          <a:chExt cx="0" cy="0"/>
+        </a:xfrm>
+      </p:grpSpPr>
+      <p:pic>
+        <p:nvPicPr>
+          <p:cNvPr id="4" name="Picture 3">
+            <a:extLst>
+              <a:ext uri="{FF2B5EF4-FFF2-40B4-BE49-F238E27FC236}">
+                <a16:creationId xmlns:a16="http://schemas.microsoft.com/office/drawing/2014/main" id="{93D62091-E0C0-4F2E-823B-25CC684631CA}"/>
+              </a:ext>
+            </a:extLst>
+          </p:cNvPr>
+          <p:cNvPicPr>
+            <a:picLocks noChangeAspect="1"/>
+          </p:cNvPicPr>
+          <p:nvPr/>
+        </p:nvPicPr>
+        <p:blipFill rotWithShape="1">
+          <a:blip r:embed="rId2"/>
+          <a:srcRect l="28586" t="9449" r="5762" b="10899"/>
+          <a:stretch/>
+        </p:blipFill>
+        <p:spPr>
+          <a:xfrm>
+            <a:off x="0" y="503583"/>
+            <a:ext cx="9315702" cy="6354418"/>
+          </a:xfrm>
+          <a:prstGeom prst="rect">
+            <a:avLst/>
+          </a:prstGeom>
+        </p:spPr>
+      </p:pic>
+    </p:spTree>
+    <p:extLst>
+      <p:ext uri="{BB962C8B-B14F-4D97-AF65-F5344CB8AC3E}">
+        <p14:creationId xmlns:p14="http://schemas.microsoft.com/office/powerpoint/2010/main" val="345720461"/>
+      </p:ext>
+    </p:extLst>
+  </p:cSld>
+  <p:clrMapOvr>
+    <a:masterClrMapping/>
+  </p:clrMapOvr>
+</p:sld>
+</file>
+
+<file path=ppt/slides/slide6.xml><?xml version="1.0" encoding="utf-8"?>
+<p:sld xmlns:a="http://schemas.openxmlformats.org/drawingml/2006/main" xmlns:r="http://schemas.openxmlformats.org/officeDocument/2006/relationships" xmlns:p="http://schemas.openxmlformats.org/presentationml/2006/main">
+  <p:cSld>
+    <p:spTree>
+      <p:nvGrpSpPr>
+        <p:cNvPr id="1" name=""/>
+        <p:cNvGrpSpPr/>
+        <p:nvPr/>
+      </p:nvGrpSpPr>
+      <p:grpSpPr>
+        <a:xfrm>
+          <a:off x="0" y="0"/>
+          <a:ext cx="0" cy="0"/>
+          <a:chOff x="0" y="0"/>
+          <a:chExt cx="0" cy="0"/>
+        </a:xfrm>
+      </p:grpSpPr>
+      <p:pic>
+        <p:nvPicPr>
+          <p:cNvPr id="3" name="Picture 2" descr="Resale is growing 24x faster than retail">
+            <a:extLst>
+              <a:ext uri="{FF2B5EF4-FFF2-40B4-BE49-F238E27FC236}">
+                <a16:creationId xmlns:a16="http://schemas.microsoft.com/office/drawing/2014/main" id="{BCE21699-A8F5-4AA1-890E-A276E457B2DD}"/>
+              </a:ext>
+            </a:extLst>
+          </p:cNvPr>
+          <p:cNvPicPr/>
+          <p:nvPr/>
+        </p:nvPicPr>
+        <p:blipFill>
+          <a:blip r:embed="rId2">
+            <a:extLst>
+              <a:ext uri="{28A0092B-C50C-407E-A947-70E740481C1C}">
+                <a14:useLocalDpi xmlns:a14="http://schemas.microsoft.com/office/drawing/2010/main" val="0"/>
+              </a:ext>
+            </a:extLst>
+          </a:blip>
+          <a:srcRect/>
+          <a:stretch>
+            <a:fillRect/>
+          </a:stretch>
+        </p:blipFill>
+        <p:spPr bwMode="auto">
+          <a:xfrm>
+            <a:off x="3124200" y="337625"/>
+            <a:ext cx="7299960" cy="5255455"/>
+          </a:xfrm>
+          <a:prstGeom prst="rect">
+            <a:avLst/>
+          </a:prstGeom>
+          <a:noFill/>
+          <a:ln>
+            <a:noFill/>
+          </a:ln>
+        </p:spPr>
+      </p:pic>
+    </p:spTree>
+    <p:extLst>
+      <p:ext uri="{BB962C8B-B14F-4D97-AF65-F5344CB8AC3E}">
+        <p14:creationId xmlns:p14="http://schemas.microsoft.com/office/powerpoint/2010/main" val="387024771"/>
+      </p:ext>
+    </p:extLst>
+  </p:cSld>
+  <p:clrMapOvr>
+    <a:masterClrMapping/>
+  </p:clrMapOvr>
+</p:sld>
+</file>
+
+<file path=ppt/slides/slide7.xml><?xml version="1.0" encoding="utf-8"?>
+<p:sld xmlns:a="http://schemas.openxmlformats.org/drawingml/2006/main" xmlns:r="http://schemas.openxmlformats.org/officeDocument/2006/relationships" xmlns:p="http://schemas.openxmlformats.org/presentationml/2006/main">
+  <p:cSld>
+    <p:spTree>
+      <p:nvGrpSpPr>
+        <p:cNvPr id="1" name=""/>
+        <p:cNvGrpSpPr/>
+        <p:nvPr/>
+      </p:nvGrpSpPr>
+      <p:grpSpPr>
+        <a:xfrm>
+          <a:off x="0" y="0"/>
+          <a:ext cx="0" cy="0"/>
+          <a:chOff x="0" y="0"/>
+          <a:chExt cx="0" cy="0"/>
+        </a:xfrm>
+      </p:grpSpPr>
+      <p:pic>
+        <p:nvPicPr>
+          <p:cNvPr id="4" name="Picture 3">
+            <a:extLst>
+              <a:ext uri="{FF2B5EF4-FFF2-40B4-BE49-F238E27FC236}">
+                <a16:creationId xmlns:a16="http://schemas.microsoft.com/office/drawing/2014/main" id="{85D096E5-80DB-4E62-9EF0-66A373889554}"/>
+              </a:ext>
+            </a:extLst>
+          </p:cNvPr>
+          <p:cNvPicPr>
+            <a:picLocks noChangeAspect="1"/>
+          </p:cNvPicPr>
+          <p:nvPr/>
+        </p:nvPicPr>
+        <p:blipFill rotWithShape="1">
+          <a:blip r:embed="rId2"/>
+          <a:srcRect l="30577" t="5606" r="9308" b="8904"/>
+          <a:stretch/>
+        </p:blipFill>
+        <p:spPr>
+          <a:xfrm>
+            <a:off x="3315816" y="611945"/>
+            <a:ext cx="7811729" cy="6246055"/>
+          </a:xfrm>
+          <a:prstGeom prst="rect">
+            <a:avLst/>
+          </a:prstGeom>
+        </p:spPr>
+      </p:pic>
+    </p:spTree>
+    <p:extLst>
+      <p:ext uri="{BB962C8B-B14F-4D97-AF65-F5344CB8AC3E}">
+        <p14:creationId xmlns:p14="http://schemas.microsoft.com/office/powerpoint/2010/main" val="2830948387"/>
+      </p:ext>
+    </p:extLst>
+  </p:cSld>
+  <p:clrMapOvr>
+    <a:masterClrMapping/>
+  </p:clrMapOvr>
+</p:sld>
+</file>
+
 <file path=ppt/theme/theme1.xml><?xml version="1.0" encoding="utf-8"?>
 <a:theme xmlns:a="http://schemas.openxmlformats.org/drawingml/2006/main" name="Office Theme">
   <a:themeElements>
